--- a/lecture-slides/Behavioral_TM_strategy.pptx
+++ b/lecture-slides/Behavioral_TM_strategy.pptx
@@ -1275,9 +1275,23 @@
           <a:lstStyle/>
           <a:p>
             <a:r>
-              <a:rPr lang="en-US" dirty="0"/>
-              <a:t>The create method inside factory is a template method</a:t>
-            </a:r>
+              <a:rPr lang="en-US" dirty="0" err="1"/>
+              <a:t>CommonWall</a:t>
+            </a:r>
+            <a:r>
+              <a:rPr lang="en-US" b="0" i="0" dirty="0">
+                <a:solidFill>
+                  <a:srgbClr val="000000"/>
+                </a:solidFill>
+                <a:effectLst/>
+                <a:highlight>
+                  <a:srgbClr val="FFFFFF"/>
+                </a:highlight>
+                <a:latin typeface="Times New Roman" panose="02020603050405020304" pitchFamily="18" charset="0"/>
+              </a:rPr>
+              <a:t> is a utility operation that determines the direction of the common wall between two rooms.</a:t>
+            </a:r>
+            <a:endParaRPr lang="en-US" dirty="0"/>
           </a:p>
         </p:txBody>
       </p:sp>
@@ -1296,108 +1310,6 @@
           <a:bodyPr/>
           <a:lstStyle/>
           <a:p>
-            <a:fld id="{398F261E-68E1-442B-8BD3-47F1FF8ACD3C}" type="slidenum">
-              <a:rPr lang="en-US" altLang="en-US" smtClean="0"/>
-              <a:pPr/>
-              <a:t>29</a:t>
-            </a:fld>
-            <a:endParaRPr lang="en-US" altLang="en-US"/>
-          </a:p>
-        </p:txBody>
-      </p:sp>
-    </p:spTree>
-    <p:extLst>
-      <p:ext uri="{BB962C8B-B14F-4D97-AF65-F5344CB8AC3E}">
-        <p14:creationId xmlns:p14="http://schemas.microsoft.com/office/powerpoint/2010/main" val="1868837934"/>
-      </p:ext>
-    </p:extLst>
-  </p:cSld>
-  <p:clrMapOvr>
-    <a:masterClrMapping/>
-  </p:clrMapOvr>
-</p:notes>
-</file>
-
-<file path=ppt/notesSlides/notesSlide12.xml><?xml version="1.0" encoding="utf-8"?>
-<p:notes xmlns:a="http://schemas.openxmlformats.org/drawingml/2006/main" xmlns:r="http://schemas.openxmlformats.org/officeDocument/2006/relationships" xmlns:p="http://schemas.openxmlformats.org/presentationml/2006/main">
-  <p:cSld>
-    <p:spTree>
-      <p:nvGrpSpPr>
-        <p:cNvPr id="1" name=""/>
-        <p:cNvGrpSpPr/>
-        <p:nvPr/>
-      </p:nvGrpSpPr>
-      <p:grpSpPr>
-        <a:xfrm>
-          <a:off x="0" y="0"/>
-          <a:ext cx="0" cy="0"/>
-          <a:chOff x="0" y="0"/>
-          <a:chExt cx="0" cy="0"/>
-        </a:xfrm>
-      </p:grpSpPr>
-      <p:sp>
-        <p:nvSpPr>
-          <p:cNvPr id="2" name="Slide Image Placeholder 1"/>
-          <p:cNvSpPr>
-            <a:spLocks noGrp="1" noRot="1" noChangeAspect="1"/>
-          </p:cNvSpPr>
-          <p:nvPr>
-            <p:ph type="sldImg"/>
-          </p:nvPr>
-        </p:nvSpPr>
-        <p:spPr/>
-      </p:sp>
-      <p:sp>
-        <p:nvSpPr>
-          <p:cNvPr id="3" name="Notes Placeholder 2"/>
-          <p:cNvSpPr>
-            <a:spLocks noGrp="1"/>
-          </p:cNvSpPr>
-          <p:nvPr>
-            <p:ph type="body" idx="1"/>
-          </p:nvPr>
-        </p:nvSpPr>
-        <p:spPr/>
-        <p:txBody>
-          <a:bodyPr/>
-          <a:lstStyle/>
-          <a:p>
-            <a:r>
-              <a:rPr lang="en-US" dirty="0" err="1"/>
-              <a:t>CommonWall</a:t>
-            </a:r>
-            <a:r>
-              <a:rPr lang="en-US" b="0" i="0" dirty="0">
-                <a:solidFill>
-                  <a:srgbClr val="000000"/>
-                </a:solidFill>
-                <a:effectLst/>
-                <a:highlight>
-                  <a:srgbClr val="FFFFFF"/>
-                </a:highlight>
-                <a:latin typeface="Times New Roman" panose="02020603050405020304" pitchFamily="18" charset="0"/>
-              </a:rPr>
-              <a:t> is a utility operation that determines the direction of the common wall between two rooms.</a:t>
-            </a:r>
-            <a:endParaRPr lang="en-US" dirty="0"/>
-          </a:p>
-        </p:txBody>
-      </p:sp>
-      <p:sp>
-        <p:nvSpPr>
-          <p:cNvPr id="4" name="Slide Number Placeholder 3"/>
-          <p:cNvSpPr>
-            <a:spLocks noGrp="1"/>
-          </p:cNvSpPr>
-          <p:nvPr>
-            <p:ph type="sldNum" sz="quarter" idx="5"/>
-          </p:nvPr>
-        </p:nvSpPr>
-        <p:spPr/>
-        <p:txBody>
-          <a:bodyPr/>
-          <a:lstStyle/>
-          <a:p>
             <a:fld id="{249F679D-6D11-4ED1-A70F-057B76B3F1BB}" type="slidenum">
               <a:rPr lang="en-US" altLang="en-US" smtClean="0"/>
               <a:pPr/>
@@ -1420,7 +1332,7 @@
 </p:notes>
 </file>
 
-<file path=ppt/notesSlides/notesSlide13.xml><?xml version="1.0" encoding="utf-8"?>
+<file path=ppt/notesSlides/notesSlide12.xml><?xml version="1.0" encoding="utf-8"?>
 <p:notes xmlns:a="http://schemas.openxmlformats.org/drawingml/2006/main" xmlns:r="http://schemas.openxmlformats.org/officeDocument/2006/relationships" xmlns:p="http://schemas.openxmlformats.org/presentationml/2006/main">
   <p:cSld>
     <p:spTree>
@@ -1546,7 +1458,7 @@
 </p:notes>
 </file>
 
-<file path=ppt/notesSlides/notesSlide14.xml><?xml version="1.0" encoding="utf-8"?>
+<file path=ppt/notesSlides/notesSlide13.xml><?xml version="1.0" encoding="utf-8"?>
 <p:notes xmlns:a="http://schemas.openxmlformats.org/drawingml/2006/main" xmlns:r="http://schemas.openxmlformats.org/officeDocument/2006/relationships" xmlns:p="http://schemas.openxmlformats.org/presentationml/2006/main">
   <p:cSld>
     <p:spTree>
@@ -1662,7 +1574,7 @@
 </p:notes>
 </file>
 
-<file path=ppt/notesSlides/notesSlide15.xml><?xml version="1.0" encoding="utf-8"?>
+<file path=ppt/notesSlides/notesSlide14.xml><?xml version="1.0" encoding="utf-8"?>
 <p:notes xmlns:a="http://schemas.openxmlformats.org/drawingml/2006/main" xmlns:r="http://schemas.openxmlformats.org/officeDocument/2006/relationships" xmlns:p="http://schemas.openxmlformats.org/presentationml/2006/main">
   <p:cSld>
     <p:spTree>
@@ -1922,6 +1834,107 @@
 </p:notes>
 </file>
 
+<file path=ppt/notesSlides/notesSlide15.xml><?xml version="1.0" encoding="utf-8"?>
+<p:notes xmlns:a="http://schemas.openxmlformats.org/drawingml/2006/main" xmlns:r="http://schemas.openxmlformats.org/officeDocument/2006/relationships" xmlns:p="http://schemas.openxmlformats.org/presentationml/2006/main">
+  <p:cSld>
+    <p:spTree>
+      <p:nvGrpSpPr>
+        <p:cNvPr id="1" name=""/>
+        <p:cNvGrpSpPr/>
+        <p:nvPr/>
+      </p:nvGrpSpPr>
+      <p:grpSpPr>
+        <a:xfrm>
+          <a:off x="0" y="0"/>
+          <a:ext cx="0" cy="0"/>
+          <a:chOff x="0" y="0"/>
+          <a:chExt cx="0" cy="0"/>
+        </a:xfrm>
+      </p:grpSpPr>
+      <p:sp>
+        <p:nvSpPr>
+          <p:cNvPr id="2" name="Slide Image Placeholder 1"/>
+          <p:cNvSpPr>
+            <a:spLocks noGrp="1" noRot="1" noChangeAspect="1"/>
+          </p:cNvSpPr>
+          <p:nvPr>
+            <p:ph type="sldImg"/>
+          </p:nvPr>
+        </p:nvSpPr>
+        <p:spPr/>
+      </p:sp>
+      <p:sp>
+        <p:nvSpPr>
+          <p:cNvPr id="3" name="Notes Placeholder 2"/>
+          <p:cNvSpPr>
+            <a:spLocks noGrp="1"/>
+          </p:cNvSpPr>
+          <p:nvPr>
+            <p:ph type="body" idx="1"/>
+          </p:nvPr>
+        </p:nvSpPr>
+        <p:spPr/>
+        <p:txBody>
+          <a:bodyPr/>
+          <a:lstStyle/>
+          <a:p>
+            <a:r>
+              <a:rPr lang="en-US" dirty="0"/>
+              <a:t>Subclass of </a:t>
+            </a:r>
+            <a:r>
+              <a:rPr lang="en-US" dirty="0" err="1"/>
+              <a:t>inputsream</a:t>
+            </a:r>
+            <a:r>
+              <a:rPr lang="en-US" dirty="0"/>
+              <a:t> may read from a buffer, from internet connection, from a file </a:t>
+            </a:r>
+            <a:r>
+              <a:rPr lang="en-US" dirty="0" err="1"/>
+              <a:t>etc</a:t>
+            </a:r>
+            <a:endParaRPr lang="en-US" dirty="0"/>
+          </a:p>
+        </p:txBody>
+      </p:sp>
+      <p:sp>
+        <p:nvSpPr>
+          <p:cNvPr id="4" name="Slide Number Placeholder 3"/>
+          <p:cNvSpPr>
+            <a:spLocks noGrp="1"/>
+          </p:cNvSpPr>
+          <p:nvPr>
+            <p:ph type="sldNum" sz="quarter" idx="5"/>
+          </p:nvPr>
+        </p:nvSpPr>
+        <p:spPr/>
+        <p:txBody>
+          <a:bodyPr/>
+          <a:lstStyle/>
+          <a:p>
+            <a:fld id="{398F261E-68E1-442B-8BD3-47F1FF8ACD3C}" type="slidenum">
+              <a:rPr lang="en-US" altLang="en-US" smtClean="0"/>
+              <a:pPr/>
+              <a:t>36</a:t>
+            </a:fld>
+            <a:endParaRPr lang="en-US" altLang="en-US"/>
+          </a:p>
+        </p:txBody>
+      </p:sp>
+    </p:spTree>
+    <p:extLst>
+      <p:ext uri="{BB962C8B-B14F-4D97-AF65-F5344CB8AC3E}">
+        <p14:creationId xmlns:p14="http://schemas.microsoft.com/office/powerpoint/2010/main" val="3551979288"/>
+      </p:ext>
+    </p:extLst>
+  </p:cSld>
+  <p:clrMapOvr>
+    <a:masterClrMapping/>
+  </p:clrMapOvr>
+</p:notes>
+</file>
+
 <file path=ppt/notesSlides/notesSlide16.xml><?xml version="1.0" encoding="utf-8"?>
 <p:notes xmlns:a="http://schemas.openxmlformats.org/drawingml/2006/main" xmlns:r="http://schemas.openxmlformats.org/officeDocument/2006/relationships" xmlns:p="http://schemas.openxmlformats.org/presentationml/2006/main">
   <p:cSld>
@@ -1966,22 +1979,6 @@
           <a:bodyPr/>
           <a:lstStyle/>
           <a:p>
-            <a:r>
-              <a:rPr lang="en-US" dirty="0"/>
-              <a:t>Subclass of </a:t>
-            </a:r>
-            <a:r>
-              <a:rPr lang="en-US" dirty="0" err="1"/>
-              <a:t>inputsream</a:t>
-            </a:r>
-            <a:r>
-              <a:rPr lang="en-US" dirty="0"/>
-              <a:t> may read from a buffer, from internet connection, from a file </a:t>
-            </a:r>
-            <a:r>
-              <a:rPr lang="en-US" dirty="0" err="1"/>
-              <a:t>etc</a:t>
-            </a:r>
             <a:endParaRPr lang="en-US" dirty="0"/>
           </a:p>
         </p:txBody>
@@ -2004,7 +2001,7 @@
             <a:fld id="{398F261E-68E1-442B-8BD3-47F1FF8ACD3C}" type="slidenum">
               <a:rPr lang="en-US" altLang="en-US" smtClean="0"/>
               <a:pPr/>
-              <a:t>36</a:t>
+              <a:t>38</a:t>
             </a:fld>
             <a:endParaRPr lang="en-US" altLang="en-US"/>
           </a:p>
@@ -2013,7 +2010,7 @@
     </p:spTree>
     <p:extLst>
       <p:ext uri="{BB962C8B-B14F-4D97-AF65-F5344CB8AC3E}">
-        <p14:creationId xmlns:p14="http://schemas.microsoft.com/office/powerpoint/2010/main" val="3551979288"/>
+        <p14:creationId xmlns:p14="http://schemas.microsoft.com/office/powerpoint/2010/main" val="1565270404"/>
       </p:ext>
     </p:extLst>
   </p:cSld>
@@ -2067,6 +2064,214 @@
           <a:bodyPr/>
           <a:lstStyle/>
           <a:p>
+            <a:pPr>
+              <a:spcBef>
+                <a:spcPct val="0"/>
+              </a:spcBef>
+              <a:buClrTx/>
+              <a:buSzTx/>
+              <a:buFontTx/>
+              <a:buNone/>
+              <a:defRPr/>
+            </a:pPr>
+            <a:r>
+              <a:rPr lang="en-US" altLang="tr-TR" sz="1200" dirty="0">
+                <a:latin typeface="Courier New" panose="02070309020205020404" pitchFamily="49" charset="0"/>
+                <a:cs typeface="Courier New" panose="02070309020205020404" pitchFamily="49" charset="0"/>
+              </a:rPr>
+              <a:t>class Car{</a:t>
+            </a:r>
+          </a:p>
+          <a:p>
+            <a:pPr>
+              <a:spcBef>
+                <a:spcPct val="0"/>
+              </a:spcBef>
+              <a:buClrTx/>
+              <a:buSzTx/>
+              <a:buFontTx/>
+              <a:buNone/>
+              <a:defRPr/>
+            </a:pPr>
+            <a:r>
+              <a:rPr lang="en-US" altLang="tr-TR" sz="1200" dirty="0">
+                <a:latin typeface="Courier New" panose="02070309020205020404" pitchFamily="49" charset="0"/>
+                <a:cs typeface="Courier New" panose="02070309020205020404" pitchFamily="49" charset="0"/>
+              </a:rPr>
+              <a:t>Breaking </a:t>
+            </a:r>
+            <a:r>
+              <a:rPr lang="en-US" altLang="tr-TR" sz="1200" dirty="0" err="1">
+                <a:latin typeface="Courier New" panose="02070309020205020404" pitchFamily="49" charset="0"/>
+                <a:cs typeface="Courier New" panose="02070309020205020404" pitchFamily="49" charset="0"/>
+              </a:rPr>
+              <a:t>breakS</a:t>
+            </a:r>
+            <a:r>
+              <a:rPr lang="en-US" altLang="tr-TR" sz="1200" dirty="0">
+                <a:latin typeface="Courier New" panose="02070309020205020404" pitchFamily="49" charset="0"/>
+                <a:cs typeface="Courier New" panose="02070309020205020404" pitchFamily="49" charset="0"/>
+              </a:rPr>
+              <a:t>;</a:t>
+            </a:r>
+          </a:p>
+          <a:p>
+            <a:pPr>
+              <a:spcBef>
+                <a:spcPct val="0"/>
+              </a:spcBef>
+              <a:buClrTx/>
+              <a:buSzTx/>
+              <a:buFontTx/>
+              <a:buNone/>
+              <a:defRPr/>
+            </a:pPr>
+            <a:r>
+              <a:rPr lang="en-US" altLang="tr-TR" sz="1200" dirty="0">
+                <a:latin typeface="Courier New" panose="02070309020205020404" pitchFamily="49" charset="0"/>
+                <a:cs typeface="Courier New" panose="02070309020205020404" pitchFamily="49" charset="0"/>
+              </a:rPr>
+              <a:t>Accelerate </a:t>
+            </a:r>
+            <a:r>
+              <a:rPr lang="en-US" altLang="tr-TR" sz="1200" dirty="0" err="1">
+                <a:latin typeface="Courier New" panose="02070309020205020404" pitchFamily="49" charset="0"/>
+                <a:cs typeface="Courier New" panose="02070309020205020404" pitchFamily="49" charset="0"/>
+              </a:rPr>
+              <a:t>accelS</a:t>
+            </a:r>
+            <a:r>
+              <a:rPr lang="en-US" altLang="tr-TR" sz="1200" dirty="0">
+                <a:latin typeface="Courier New" panose="02070309020205020404" pitchFamily="49" charset="0"/>
+                <a:cs typeface="Courier New" panose="02070309020205020404" pitchFamily="49" charset="0"/>
+              </a:rPr>
+              <a:t>;</a:t>
+            </a:r>
+          </a:p>
+          <a:p>
+            <a:pPr>
+              <a:spcBef>
+                <a:spcPct val="0"/>
+              </a:spcBef>
+              <a:buClrTx/>
+              <a:buSzTx/>
+              <a:buFontTx/>
+              <a:buNone/>
+              <a:defRPr/>
+            </a:pPr>
+            <a:r>
+              <a:rPr lang="en-US" altLang="tr-TR" sz="1200" dirty="0">
+                <a:latin typeface="Courier New" panose="02070309020205020404" pitchFamily="49" charset="0"/>
+                <a:cs typeface="Courier New" panose="02070309020205020404" pitchFamily="49" charset="0"/>
+              </a:rPr>
+              <a:t>…</a:t>
+            </a:r>
+          </a:p>
+          <a:p>
+            <a:pPr>
+              <a:spcBef>
+                <a:spcPct val="0"/>
+              </a:spcBef>
+              <a:buClrTx/>
+              <a:buSzTx/>
+              <a:buFontTx/>
+              <a:buNone/>
+              <a:defRPr/>
+            </a:pPr>
+            <a:r>
+              <a:rPr lang="en-US" altLang="tr-TR" sz="1200" dirty="0">
+                <a:latin typeface="Courier New" panose="02070309020205020404" pitchFamily="49" charset="0"/>
+                <a:cs typeface="Courier New" panose="02070309020205020404" pitchFamily="49" charset="0"/>
+              </a:rPr>
+              <a:t>break(){</a:t>
+            </a:r>
+          </a:p>
+          <a:p>
+            <a:pPr>
+              <a:spcBef>
+                <a:spcPct val="0"/>
+              </a:spcBef>
+              <a:buClrTx/>
+              <a:buSzTx/>
+              <a:buFontTx/>
+              <a:buNone/>
+              <a:defRPr/>
+            </a:pPr>
+            <a:r>
+              <a:rPr lang="en-US" altLang="tr-TR" sz="1200" dirty="0">
+                <a:latin typeface="Courier New" panose="02070309020205020404" pitchFamily="49" charset="0"/>
+                <a:cs typeface="Courier New" panose="02070309020205020404" pitchFamily="49" charset="0"/>
+              </a:rPr>
+              <a:t>   </a:t>
+            </a:r>
+            <a:r>
+              <a:rPr lang="en-US" altLang="tr-TR" sz="1200" dirty="0" err="1">
+                <a:latin typeface="Courier New" panose="02070309020205020404" pitchFamily="49" charset="0"/>
+                <a:cs typeface="Courier New" panose="02070309020205020404" pitchFamily="49" charset="0"/>
+              </a:rPr>
+              <a:t>breakS.break</a:t>
+            </a:r>
+            <a:r>
+              <a:rPr lang="en-US" altLang="tr-TR" sz="1200" dirty="0">
+                <a:latin typeface="Courier New" panose="02070309020205020404" pitchFamily="49" charset="0"/>
+                <a:cs typeface="Courier New" panose="02070309020205020404" pitchFamily="49" charset="0"/>
+              </a:rPr>
+              <a:t>();}</a:t>
+            </a:r>
+          </a:p>
+          <a:p>
+            <a:pPr>
+              <a:spcBef>
+                <a:spcPct val="0"/>
+              </a:spcBef>
+              <a:buClrTx/>
+              <a:buSzTx/>
+              <a:buFontTx/>
+              <a:buNone/>
+              <a:defRPr/>
+            </a:pPr>
+            <a:r>
+              <a:rPr lang="en-US" altLang="tr-TR" sz="1200" dirty="0">
+                <a:latin typeface="Courier New" panose="02070309020205020404" pitchFamily="49" charset="0"/>
+                <a:cs typeface="Courier New" panose="02070309020205020404" pitchFamily="49" charset="0"/>
+              </a:rPr>
+              <a:t>accelerate(){</a:t>
+            </a:r>
+          </a:p>
+          <a:p>
+            <a:pPr>
+              <a:spcBef>
+                <a:spcPct val="0"/>
+              </a:spcBef>
+              <a:buClrTx/>
+              <a:buSzTx/>
+              <a:buFontTx/>
+              <a:buNone/>
+              <a:defRPr/>
+            </a:pPr>
+            <a:r>
+              <a:rPr lang="en-US" altLang="tr-TR" sz="1200" dirty="0">
+                <a:latin typeface="Courier New" panose="02070309020205020404" pitchFamily="49" charset="0"/>
+                <a:cs typeface="Courier New" panose="02070309020205020404" pitchFamily="49" charset="0"/>
+              </a:rPr>
+              <a:t>   </a:t>
+            </a:r>
+            <a:r>
+              <a:rPr lang="en-US" altLang="tr-TR" sz="1200" dirty="0" err="1">
+                <a:latin typeface="Courier New" panose="02070309020205020404" pitchFamily="49" charset="0"/>
+                <a:cs typeface="Courier New" panose="02070309020205020404" pitchFamily="49" charset="0"/>
+              </a:rPr>
+              <a:t>accelS.accelerate</a:t>
+            </a:r>
+            <a:r>
+              <a:rPr lang="en-US" altLang="tr-TR" sz="1200" dirty="0">
+                <a:latin typeface="Courier New" panose="02070309020205020404" pitchFamily="49" charset="0"/>
+                <a:cs typeface="Courier New" panose="02070309020205020404" pitchFamily="49" charset="0"/>
+              </a:rPr>
+              <a:t>();}</a:t>
+            </a:r>
+          </a:p>
+          <a:p>
             <a:endParaRPr lang="en-US" dirty="0"/>
           </a:p>
         </p:txBody>
@@ -2086,10 +2291,10 @@
           <a:bodyPr/>
           <a:lstStyle/>
           <a:p>
-            <a:fld id="{398F261E-68E1-442B-8BD3-47F1FF8ACD3C}" type="slidenum">
+            <a:fld id="{5654FBDE-A9F9-4F5B-96DE-C51BD4646E22}" type="slidenum">
               <a:rPr lang="en-US" altLang="en-US" smtClean="0"/>
               <a:pPr/>
-              <a:t>38</a:t>
+              <a:t>48</a:t>
             </a:fld>
             <a:endParaRPr lang="en-US" altLang="en-US"/>
           </a:p>
@@ -2098,7 +2303,7 @@
     </p:spTree>
     <p:extLst>
       <p:ext uri="{BB962C8B-B14F-4D97-AF65-F5344CB8AC3E}">
-        <p14:creationId xmlns:p14="http://schemas.microsoft.com/office/powerpoint/2010/main" val="1565270404"/>
+        <p14:creationId xmlns:p14="http://schemas.microsoft.com/office/powerpoint/2010/main" val="2004017528"/>
       </p:ext>
     </p:extLst>
   </p:cSld>
@@ -2152,214 +2357,62 @@
           <a:bodyPr/>
           <a:lstStyle/>
           <a:p>
-            <a:pPr>
-              <a:spcBef>
-                <a:spcPct val="0"/>
-              </a:spcBef>
-              <a:buClrTx/>
-              <a:buSzTx/>
-              <a:buFontTx/>
-              <a:buNone/>
-              <a:defRPr/>
-            </a:pPr>
-            <a:r>
-              <a:rPr lang="en-US" altLang="tr-TR" sz="1200" dirty="0">
-                <a:latin typeface="Courier New" panose="02070309020205020404" pitchFamily="49" charset="0"/>
-                <a:cs typeface="Courier New" panose="02070309020205020404" pitchFamily="49" charset="0"/>
-              </a:rPr>
-              <a:t>class Car{</a:t>
-            </a:r>
-          </a:p>
-          <a:p>
-            <a:pPr>
-              <a:spcBef>
-                <a:spcPct val="0"/>
-              </a:spcBef>
-              <a:buClrTx/>
-              <a:buSzTx/>
-              <a:buFontTx/>
-              <a:buNone/>
-              <a:defRPr/>
-            </a:pPr>
-            <a:r>
-              <a:rPr lang="en-US" altLang="tr-TR" sz="1200" dirty="0">
-                <a:latin typeface="Courier New" panose="02070309020205020404" pitchFamily="49" charset="0"/>
-                <a:cs typeface="Courier New" panose="02070309020205020404" pitchFamily="49" charset="0"/>
-              </a:rPr>
-              <a:t>Breaking </a:t>
-            </a:r>
-            <a:r>
-              <a:rPr lang="en-US" altLang="tr-TR" sz="1200" dirty="0" err="1">
-                <a:latin typeface="Courier New" panose="02070309020205020404" pitchFamily="49" charset="0"/>
-                <a:cs typeface="Courier New" panose="02070309020205020404" pitchFamily="49" charset="0"/>
-              </a:rPr>
-              <a:t>breakS</a:t>
-            </a:r>
-            <a:r>
-              <a:rPr lang="en-US" altLang="tr-TR" sz="1200" dirty="0">
-                <a:latin typeface="Courier New" panose="02070309020205020404" pitchFamily="49" charset="0"/>
-                <a:cs typeface="Courier New" panose="02070309020205020404" pitchFamily="49" charset="0"/>
-              </a:rPr>
-              <a:t>;</a:t>
-            </a:r>
-          </a:p>
-          <a:p>
-            <a:pPr>
-              <a:spcBef>
-                <a:spcPct val="0"/>
-              </a:spcBef>
-              <a:buClrTx/>
-              <a:buSzTx/>
-              <a:buFontTx/>
-              <a:buNone/>
-              <a:defRPr/>
-            </a:pPr>
-            <a:r>
-              <a:rPr lang="en-US" altLang="tr-TR" sz="1200" dirty="0">
-                <a:latin typeface="Courier New" panose="02070309020205020404" pitchFamily="49" charset="0"/>
-                <a:cs typeface="Courier New" panose="02070309020205020404" pitchFamily="49" charset="0"/>
-              </a:rPr>
-              <a:t>Accelerate </a:t>
-            </a:r>
-            <a:r>
-              <a:rPr lang="en-US" altLang="tr-TR" sz="1200" dirty="0" err="1">
-                <a:latin typeface="Courier New" panose="02070309020205020404" pitchFamily="49" charset="0"/>
-                <a:cs typeface="Courier New" panose="02070309020205020404" pitchFamily="49" charset="0"/>
-              </a:rPr>
-              <a:t>accelS</a:t>
-            </a:r>
-            <a:r>
-              <a:rPr lang="en-US" altLang="tr-TR" sz="1200" dirty="0">
-                <a:latin typeface="Courier New" panose="02070309020205020404" pitchFamily="49" charset="0"/>
-                <a:cs typeface="Courier New" panose="02070309020205020404" pitchFamily="49" charset="0"/>
-              </a:rPr>
-              <a:t>;</a:t>
-            </a:r>
-          </a:p>
-          <a:p>
-            <a:pPr>
-              <a:spcBef>
-                <a:spcPct val="0"/>
-              </a:spcBef>
-              <a:buClrTx/>
-              <a:buSzTx/>
-              <a:buFontTx/>
-              <a:buNone/>
-              <a:defRPr/>
-            </a:pPr>
-            <a:r>
-              <a:rPr lang="en-US" altLang="tr-TR" sz="1200" dirty="0">
-                <a:latin typeface="Courier New" panose="02070309020205020404" pitchFamily="49" charset="0"/>
-                <a:cs typeface="Courier New" panose="02070309020205020404" pitchFamily="49" charset="0"/>
-              </a:rPr>
-              <a:t>…</a:t>
-            </a:r>
-          </a:p>
-          <a:p>
-            <a:pPr>
-              <a:spcBef>
-                <a:spcPct val="0"/>
-              </a:spcBef>
-              <a:buClrTx/>
-              <a:buSzTx/>
-              <a:buFontTx/>
-              <a:buNone/>
-              <a:defRPr/>
-            </a:pPr>
-            <a:r>
-              <a:rPr lang="en-US" altLang="tr-TR" sz="1200" dirty="0">
-                <a:latin typeface="Courier New" panose="02070309020205020404" pitchFamily="49" charset="0"/>
-                <a:cs typeface="Courier New" panose="02070309020205020404" pitchFamily="49" charset="0"/>
-              </a:rPr>
-              <a:t>break(){</a:t>
-            </a:r>
-          </a:p>
-          <a:p>
-            <a:pPr>
-              <a:spcBef>
-                <a:spcPct val="0"/>
-              </a:spcBef>
-              <a:buClrTx/>
-              <a:buSzTx/>
-              <a:buFontTx/>
-              <a:buNone/>
-              <a:defRPr/>
-            </a:pPr>
-            <a:r>
-              <a:rPr lang="en-US" altLang="tr-TR" sz="1200" dirty="0">
-                <a:latin typeface="Courier New" panose="02070309020205020404" pitchFamily="49" charset="0"/>
-                <a:cs typeface="Courier New" panose="02070309020205020404" pitchFamily="49" charset="0"/>
-              </a:rPr>
-              <a:t>   </a:t>
-            </a:r>
-            <a:r>
-              <a:rPr lang="en-US" altLang="tr-TR" sz="1200" dirty="0" err="1">
-                <a:latin typeface="Courier New" panose="02070309020205020404" pitchFamily="49" charset="0"/>
-                <a:cs typeface="Courier New" panose="02070309020205020404" pitchFamily="49" charset="0"/>
-              </a:rPr>
-              <a:t>breakS.break</a:t>
-            </a:r>
-            <a:r>
-              <a:rPr lang="en-US" altLang="tr-TR" sz="1200" dirty="0">
-                <a:latin typeface="Courier New" panose="02070309020205020404" pitchFamily="49" charset="0"/>
-                <a:cs typeface="Courier New" panose="02070309020205020404" pitchFamily="49" charset="0"/>
-              </a:rPr>
-              <a:t>();}</a:t>
-            </a:r>
-          </a:p>
-          <a:p>
-            <a:pPr>
-              <a:spcBef>
-                <a:spcPct val="0"/>
-              </a:spcBef>
-              <a:buClrTx/>
-              <a:buSzTx/>
-              <a:buFontTx/>
-              <a:buNone/>
-              <a:defRPr/>
-            </a:pPr>
-            <a:r>
-              <a:rPr lang="en-US" altLang="tr-TR" sz="1200" dirty="0">
-                <a:latin typeface="Courier New" panose="02070309020205020404" pitchFamily="49" charset="0"/>
-                <a:cs typeface="Courier New" panose="02070309020205020404" pitchFamily="49" charset="0"/>
-              </a:rPr>
-              <a:t>accelerate(){</a:t>
-            </a:r>
-          </a:p>
-          <a:p>
-            <a:pPr>
-              <a:spcBef>
-                <a:spcPct val="0"/>
-              </a:spcBef>
-              <a:buClrTx/>
-              <a:buSzTx/>
-              <a:buFontTx/>
-              <a:buNone/>
-              <a:defRPr/>
-            </a:pPr>
-            <a:r>
-              <a:rPr lang="en-US" altLang="tr-TR" sz="1200" dirty="0">
-                <a:latin typeface="Courier New" panose="02070309020205020404" pitchFamily="49" charset="0"/>
-                <a:cs typeface="Courier New" panose="02070309020205020404" pitchFamily="49" charset="0"/>
-              </a:rPr>
-              <a:t>   </a:t>
-            </a:r>
-            <a:r>
-              <a:rPr lang="en-US" altLang="tr-TR" sz="1200" dirty="0" err="1">
-                <a:latin typeface="Courier New" panose="02070309020205020404" pitchFamily="49" charset="0"/>
-                <a:cs typeface="Courier New" panose="02070309020205020404" pitchFamily="49" charset="0"/>
-              </a:rPr>
-              <a:t>accelS.accelerate</a:t>
-            </a:r>
-            <a:r>
-              <a:rPr lang="en-US" altLang="tr-TR" sz="1200" dirty="0">
-                <a:latin typeface="Courier New" panose="02070309020205020404" pitchFamily="49" charset="0"/>
-                <a:cs typeface="Courier New" panose="02070309020205020404" pitchFamily="49" charset="0"/>
-              </a:rPr>
-              <a:t>();}</a:t>
-            </a:r>
-          </a:p>
-          <a:p>
+            <a:r>
+              <a:rPr lang="en-US" altLang="tr-TR" sz="2800" dirty="0"/>
+              <a:t>Need a family of algorithms</a:t>
+            </a:r>
+          </a:p>
+          <a:p>
+            <a:pPr lvl="1"/>
+            <a:r>
+              <a:rPr lang="en-US" altLang="tr-TR" sz="2400" dirty="0"/>
+              <a:t>JPEG compression for images in a document, LZWR1 for text compression</a:t>
+            </a:r>
+          </a:p>
+          <a:p>
+            <a:r>
+              <a:rPr lang="en-US" b="1" i="0" dirty="0">
+                <a:solidFill>
+                  <a:srgbClr val="444444"/>
+                </a:solidFill>
+                <a:effectLst/>
+                <a:highlight>
+                  <a:srgbClr val="FFFFFF"/>
+                </a:highlight>
+                <a:latin typeface="PT Sans" panose="020B0503020203020204" pitchFamily="34" charset="0"/>
+              </a:rPr>
+              <a:t>to isolate the business logic of a class from the implementation details of algorithms that may not be as important in the context of that logic.</a:t>
+            </a:r>
+          </a:p>
+          <a:p>
+            <a:r>
+              <a:rPr lang="en-US" b="0" i="0" dirty="0">
+                <a:solidFill>
+                  <a:srgbClr val="444444"/>
+                </a:solidFill>
+                <a:effectLst/>
+                <a:highlight>
+                  <a:srgbClr val="FFFFFF"/>
+                </a:highlight>
+                <a:latin typeface="PT Sans" panose="020B0503020203020204" pitchFamily="34" charset="0"/>
+              </a:rPr>
+              <a:t> The Strategy pattern lets you isolate the code, internal data, and dependencies of various algorithms from the rest of the code. Various clients get a simple interface to execute the algorithms and switch them at runtime.</a:t>
+            </a:r>
+          </a:p>
+          <a:p>
+            <a:r>
+              <a:rPr lang="en-US" b="0" i="0" dirty="0">
+                <a:solidFill>
+                  <a:srgbClr val="444444"/>
+                </a:solidFill>
+                <a:effectLst/>
+                <a:highlight>
+                  <a:srgbClr val="FFFFFF"/>
+                </a:highlight>
+                <a:latin typeface="PT Sans" panose="020B0503020203020204" pitchFamily="34" charset="0"/>
+              </a:rPr>
+              <a:t>e.g. Huffman coding uses priority queue e.g. LZW uses dictionary (hash table)</a:t>
+            </a:r>
             <a:endParaRPr lang="en-US" dirty="0"/>
           </a:p>
         </p:txBody>
@@ -2379,10 +2432,10 @@
           <a:bodyPr/>
           <a:lstStyle/>
           <a:p>
-            <a:fld id="{5654FBDE-A9F9-4F5B-96DE-C51BD4646E22}" type="slidenum">
+            <a:fld id="{398F261E-68E1-442B-8BD3-47F1FF8ACD3C}" type="slidenum">
               <a:rPr lang="en-US" altLang="en-US" smtClean="0"/>
               <a:pPr/>
-              <a:t>48</a:t>
+              <a:t>51</a:t>
             </a:fld>
             <a:endParaRPr lang="en-US" altLang="en-US"/>
           </a:p>
@@ -2391,7 +2444,7 @@
     </p:spTree>
     <p:extLst>
       <p:ext uri="{BB962C8B-B14F-4D97-AF65-F5344CB8AC3E}">
-        <p14:creationId xmlns:p14="http://schemas.microsoft.com/office/powerpoint/2010/main" val="2004017528"/>
+        <p14:creationId xmlns:p14="http://schemas.microsoft.com/office/powerpoint/2010/main" val="3939781923"/>
       </p:ext>
     </p:extLst>
   </p:cSld>
@@ -2445,30 +2498,49 @@
           <a:bodyPr/>
           <a:lstStyle/>
           <a:p>
+            <a:pPr marL="0" marR="0" lvl="0" indent="0" algn="l" defTabSz="914400" rtl="0" eaLnBrk="0" fontAlgn="base" latinLnBrk="0" hangingPunct="0">
+              <a:lnSpc>
+                <a:spcPct val="100000"/>
+              </a:lnSpc>
+              <a:spcBef>
+                <a:spcPct val="30000"/>
+              </a:spcBef>
+              <a:spcAft>
+                <a:spcPct val="0"/>
+              </a:spcAft>
+              <a:buClrTx/>
+              <a:buSzTx/>
+              <a:buFontTx/>
+              <a:buNone/>
+              <a:tabLst/>
+              <a:defRPr/>
+            </a:pPr>
+            <a:r>
+              <a:rPr lang="en-US" b="1" i="0" dirty="0">
+                <a:solidFill>
+                  <a:srgbClr val="444444"/>
+                </a:solidFill>
+                <a:effectLst/>
+                <a:highlight>
+                  <a:srgbClr val="FFFFFF"/>
+                </a:highlight>
+                <a:latin typeface="PT Sans" panose="020B0503020203020204" pitchFamily="34" charset="0"/>
+              </a:rPr>
+              <a:t>to isolate the business logic of a class from the implementation details of algorithms that may not be as important in the context of that logic.</a:t>
+            </a:r>
+          </a:p>
+          <a:p>
             <a:r>
               <a:rPr lang="en-US" dirty="0"/>
-              <a:t>Make the sorting </a:t>
+              <a:t>See the </a:t>
             </a:r>
             <a:r>
               <a:rPr lang="en-US" dirty="0" err="1"/>
-              <a:t>algo</a:t>
+              <a:t>GoF</a:t>
             </a:r>
             <a:r>
               <a:rPr lang="en-US" dirty="0"/>
-              <a:t> stateless</a:t>
-            </a:r>
-          </a:p>
-          <a:p>
-            <a:endParaRPr lang="en-US" dirty="0"/>
-          </a:p>
-          <a:p>
-            <a:r>
-              <a:rPr lang="en-US" dirty="0"/>
-              <a:t>Strategy makes </a:t>
-            </a:r>
-            <a:r>
-              <a:rPr lang="en-US"/>
-              <a:t>good flyweight</a:t>
+              <a:t> book example Compositor</a:t>
             </a:r>
           </a:p>
         </p:txBody>
@@ -2491,7 +2563,7 @@
             <a:fld id="{398F261E-68E1-442B-8BD3-47F1FF8ACD3C}" type="slidenum">
               <a:rPr lang="en-US" altLang="en-US" smtClean="0"/>
               <a:pPr/>
-              <a:t>50</a:t>
+              <a:t>58</a:t>
             </a:fld>
             <a:endParaRPr lang="en-US" altLang="en-US"/>
           </a:p>
@@ -2500,7 +2572,7 @@
     </p:spTree>
     <p:extLst>
       <p:ext uri="{BB962C8B-B14F-4D97-AF65-F5344CB8AC3E}">
-        <p14:creationId xmlns:p14="http://schemas.microsoft.com/office/powerpoint/2010/main" val="2521113438"/>
+        <p14:creationId xmlns:p14="http://schemas.microsoft.com/office/powerpoint/2010/main" val="351791560"/>
       </p:ext>
     </p:extLst>
   </p:cSld>
@@ -2798,61 +2870,37 @@
           <a:lstStyle/>
           <a:p>
             <a:r>
-              <a:rPr lang="en-US" altLang="tr-TR" sz="2800" dirty="0"/>
-              <a:t>Need a family of algorithms</a:t>
-            </a:r>
-          </a:p>
-          <a:p>
-            <a:pPr lvl="1"/>
-            <a:r>
-              <a:rPr lang="en-US" altLang="tr-TR" sz="2400" dirty="0"/>
-              <a:t>JPEG compression for images in a document, LZWR1 for text compression</a:t>
-            </a:r>
-          </a:p>
-          <a:p>
-            <a:r>
-              <a:rPr lang="en-US" b="1" i="0" dirty="0">
+              <a:rPr lang="en-US" dirty="0"/>
+              <a:t>Alternative: </a:t>
+            </a:r>
+            <a:r>
+              <a:rPr lang="en-US" b="0" i="1" dirty="0">
                 <a:solidFill>
-                  <a:srgbClr val="444444"/>
+                  <a:srgbClr val="000000"/>
                 </a:solidFill>
                 <a:effectLst/>
                 <a:highlight>
                   <a:srgbClr val="FFFFFF"/>
                 </a:highlight>
-                <a:latin typeface="PT Sans" panose="020B0503020203020204" pitchFamily="34" charset="0"/>
-              </a:rPr>
-              <a:t>to isolate the business logic of a class from the implementation details of algorithms that may not be as important in the context of that logic.</a:t>
-            </a:r>
-          </a:p>
-          <a:p>
+                <a:latin typeface="Times New Roman" panose="02020603050405020304" pitchFamily="18" charset="0"/>
+              </a:rPr>
+              <a:t>Strategies as template parameters</a:t>
+            </a:r>
             <a:r>
               <a:rPr lang="en-US" b="0" i="0" dirty="0">
                 <a:solidFill>
-                  <a:srgbClr val="444444"/>
+                  <a:srgbClr val="000000"/>
                 </a:solidFill>
                 <a:effectLst/>
                 <a:highlight>
                   <a:srgbClr val="FFFFFF"/>
                 </a:highlight>
-                <a:latin typeface="PT Sans" panose="020B0503020203020204" pitchFamily="34" charset="0"/>
-              </a:rPr>
-              <a:t> The Strategy pattern lets you isolate the code, internal data, and dependencies of various algorithms from the rest of the code. Various clients get a simple interface to execute the algorithms and switch them at runtime.</a:t>
-            </a:r>
-          </a:p>
-          <a:p>
-            <a:r>
-              <a:rPr lang="en-US" b="0" i="0" dirty="0">
-                <a:solidFill>
-                  <a:srgbClr val="444444"/>
-                </a:solidFill>
-                <a:effectLst/>
-                <a:highlight>
-                  <a:srgbClr val="FFFFFF"/>
-                </a:highlight>
-                <a:latin typeface="PT Sans" panose="020B0503020203020204" pitchFamily="34" charset="0"/>
-              </a:rPr>
-              <a:t>e.g. Huffman coding uses priority queue e.g. LZW uses dictionary (hash table)</a:t>
-            </a:r>
+                <a:latin typeface="Times New Roman" panose="02020603050405020304" pitchFamily="18" charset="0"/>
+              </a:rPr>
+              <a:t> In C++ templates</a:t>
+            </a:r>
+          </a:p>
+          <a:p>
             <a:endParaRPr lang="en-US" dirty="0"/>
           </a:p>
         </p:txBody>
@@ -2875,7 +2923,7 @@
             <a:fld id="{398F261E-68E1-442B-8BD3-47F1FF8ACD3C}" type="slidenum">
               <a:rPr lang="en-US" altLang="en-US" smtClean="0"/>
               <a:pPr/>
-              <a:t>51</a:t>
+              <a:t>59</a:t>
             </a:fld>
             <a:endParaRPr lang="en-US" altLang="en-US"/>
           </a:p>
@@ -2884,7 +2932,7 @@
     </p:spTree>
     <p:extLst>
       <p:ext uri="{BB962C8B-B14F-4D97-AF65-F5344CB8AC3E}">
-        <p14:creationId xmlns:p14="http://schemas.microsoft.com/office/powerpoint/2010/main" val="3939781923"/>
+        <p14:creationId xmlns:p14="http://schemas.microsoft.com/office/powerpoint/2010/main" val="2730809021"/>
       </p:ext>
     </p:extLst>
   </p:cSld>
@@ -2938,6 +2986,12 @@
           <a:bodyPr/>
           <a:lstStyle/>
           <a:p>
+            <a:r>
+              <a:rPr lang="en-US" dirty="0"/>
+              <a:t>);</a:t>
+            </a:r>
+          </a:p>
+          <a:p>
             <a:endParaRPr lang="en-US" dirty="0"/>
           </a:p>
         </p:txBody>
@@ -2960,7 +3014,7 @@
             <a:fld id="{398F261E-68E1-442B-8BD3-47F1FF8ACD3C}" type="slidenum">
               <a:rPr lang="en-US" altLang="en-US" smtClean="0"/>
               <a:pPr/>
-              <a:t>52</a:t>
+              <a:t>60</a:t>
             </a:fld>
             <a:endParaRPr lang="en-US" altLang="en-US"/>
           </a:p>
@@ -2969,7 +3023,7 @@
     </p:spTree>
     <p:extLst>
       <p:ext uri="{BB962C8B-B14F-4D97-AF65-F5344CB8AC3E}">
-        <p14:creationId xmlns:p14="http://schemas.microsoft.com/office/powerpoint/2010/main" val="504515630"/>
+        <p14:creationId xmlns:p14="http://schemas.microsoft.com/office/powerpoint/2010/main" val="1721374691"/>
       </p:ext>
     </p:extLst>
   </p:cSld>
@@ -3023,49 +3077,9 @@
           <a:bodyPr/>
           <a:lstStyle/>
           <a:p>
-            <a:pPr marL="0" marR="0" lvl="0" indent="0" algn="l" defTabSz="914400" rtl="0" eaLnBrk="0" fontAlgn="base" latinLnBrk="0" hangingPunct="0">
-              <a:lnSpc>
-                <a:spcPct val="100000"/>
-              </a:lnSpc>
-              <a:spcBef>
-                <a:spcPct val="30000"/>
-              </a:spcBef>
-              <a:spcAft>
-                <a:spcPct val="0"/>
-              </a:spcAft>
-              <a:buClrTx/>
-              <a:buSzTx/>
-              <a:buFontTx/>
-              <a:buNone/>
-              <a:tabLst/>
-              <a:defRPr/>
-            </a:pPr>
-            <a:r>
-              <a:rPr lang="en-US" b="1" i="0" dirty="0">
-                <a:solidFill>
-                  <a:srgbClr val="444444"/>
-                </a:solidFill>
-                <a:effectLst/>
-                <a:highlight>
-                  <a:srgbClr val="FFFFFF"/>
-                </a:highlight>
-                <a:latin typeface="PT Sans" panose="020B0503020203020204" pitchFamily="34" charset="0"/>
-              </a:rPr>
-              <a:t>to isolate the business logic of a class from the implementation details of algorithms that may not be as important in the context of that logic.</a:t>
-            </a:r>
-          </a:p>
-          <a:p>
             <a:r>
               <a:rPr lang="en-US" dirty="0"/>
-              <a:t>See the </a:t>
-            </a:r>
-            <a:r>
-              <a:rPr lang="en-US" dirty="0" err="1"/>
-              <a:t>GoF</a:t>
-            </a:r>
-            <a:r>
-              <a:rPr lang="en-US" dirty="0"/>
-              <a:t> book example Compositor</a:t>
+              <a:t>flyweight</a:t>
             </a:r>
           </a:p>
         </p:txBody>
@@ -3088,7 +3102,7 @@
             <a:fld id="{398F261E-68E1-442B-8BD3-47F1FF8ACD3C}" type="slidenum">
               <a:rPr lang="en-US" altLang="en-US" smtClean="0"/>
               <a:pPr/>
-              <a:t>58</a:t>
+              <a:t>65</a:t>
             </a:fld>
             <a:endParaRPr lang="en-US" altLang="en-US"/>
           </a:p>
@@ -3097,7 +3111,7 @@
     </p:spTree>
     <p:extLst>
       <p:ext uri="{BB962C8B-B14F-4D97-AF65-F5344CB8AC3E}">
-        <p14:creationId xmlns:p14="http://schemas.microsoft.com/office/powerpoint/2010/main" val="351791560"/>
+        <p14:creationId xmlns:p14="http://schemas.microsoft.com/office/powerpoint/2010/main" val="842673343"/>
       </p:ext>
     </p:extLst>
   </p:cSld>
@@ -3151,35 +3165,140 @@
           <a:bodyPr/>
           <a:lstStyle/>
           <a:p>
-            <a:r>
-              <a:rPr lang="en-US" dirty="0"/>
-              <a:t>Alternative: </a:t>
-            </a:r>
-            <a:r>
-              <a:rPr lang="en-US" b="0" i="1" dirty="0">
+            <a:pPr marL="0" marR="0" lvl="0" indent="0" algn="l" defTabSz="914400" rtl="0" eaLnBrk="0" fontAlgn="base" latinLnBrk="0" hangingPunct="0">
+              <a:lnSpc>
+                <a:spcPct val="100000"/>
+              </a:lnSpc>
+              <a:spcBef>
+                <a:spcPct val="30000"/>
+              </a:spcBef>
+              <a:spcAft>
+                <a:spcPct val="0"/>
+              </a:spcAft>
+              <a:buClrTx/>
+              <a:buSzTx/>
+              <a:buFontTx/>
+              <a:buNone/>
+              <a:tabLst/>
+              <a:defRPr/>
+            </a:pPr>
+            <a:r>
+              <a:rPr lang="en-US" b="1" i="0" u="none" strike="noStrike" dirty="0">
                 <a:solidFill>
-                  <a:srgbClr val="000000"/>
+                  <a:srgbClr val="444444"/>
                 </a:solidFill>
                 <a:effectLst/>
                 <a:highlight>
                   <a:srgbClr val="FFFFFF"/>
                 </a:highlight>
-                <a:latin typeface="Times New Roman" panose="02020603050405020304" pitchFamily="18" charset="0"/>
-              </a:rPr>
-              <a:t>Strategies as template parameters</a:t>
+                <a:latin typeface="PT Sans" panose="020B0503020203020204" pitchFamily="34" charset="0"/>
+                <a:hlinkClick r:id="rId3"/>
+              </a:rPr>
+              <a:t>Decorator</a:t>
             </a:r>
             <a:r>
               <a:rPr lang="en-US" b="0" i="0" dirty="0">
                 <a:solidFill>
-                  <a:srgbClr val="000000"/>
+                  <a:srgbClr val="444444"/>
                 </a:solidFill>
                 <a:effectLst/>
                 <a:highlight>
                   <a:srgbClr val="FFFFFF"/>
                 </a:highlight>
-                <a:latin typeface="Times New Roman" panose="02020603050405020304" pitchFamily="18" charset="0"/>
-              </a:rPr>
-              <a:t> In C++ templates</a:t>
+                <a:latin typeface="PT Sans" panose="020B0503020203020204" pitchFamily="34" charset="0"/>
+              </a:rPr>
+              <a:t> lets you change the skin of an object, while </a:t>
+            </a:r>
+            <a:r>
+              <a:rPr lang="en-US" b="1" i="0" u="none" strike="noStrike" dirty="0">
+                <a:solidFill>
+                  <a:srgbClr val="444444"/>
+                </a:solidFill>
+                <a:effectLst/>
+                <a:highlight>
+                  <a:srgbClr val="FFFFFF"/>
+                </a:highlight>
+                <a:latin typeface="PT Sans" panose="020B0503020203020204" pitchFamily="34" charset="0"/>
+                <a:hlinkClick r:id="rId4"/>
+              </a:rPr>
+              <a:t>Strategy</a:t>
+            </a:r>
+            <a:r>
+              <a:rPr lang="en-US" b="0" i="0" dirty="0">
+                <a:solidFill>
+                  <a:srgbClr val="444444"/>
+                </a:solidFill>
+                <a:effectLst/>
+                <a:highlight>
+                  <a:srgbClr val="FFFFFF"/>
+                </a:highlight>
+                <a:latin typeface="PT Sans" panose="020B0503020203020204" pitchFamily="34" charset="0"/>
+              </a:rPr>
+              <a:t> lets you change the guts.</a:t>
+            </a:r>
+          </a:p>
+          <a:p>
+            <a:pPr marL="0" marR="0" lvl="0" indent="0" algn="l" defTabSz="914400" rtl="0" eaLnBrk="0" fontAlgn="base" latinLnBrk="0" hangingPunct="0">
+              <a:lnSpc>
+                <a:spcPct val="100000"/>
+              </a:lnSpc>
+              <a:spcBef>
+                <a:spcPct val="30000"/>
+              </a:spcBef>
+              <a:spcAft>
+                <a:spcPct val="0"/>
+              </a:spcAft>
+              <a:buClrTx/>
+              <a:buSzTx/>
+              <a:buFontTx/>
+              <a:buNone/>
+              <a:tabLst/>
+              <a:defRPr/>
+            </a:pPr>
+            <a:r>
+              <a:rPr lang="en-US" b="0" i="0" dirty="0">
+                <a:solidFill>
+                  <a:srgbClr val="444444"/>
+                </a:solidFill>
+                <a:effectLst/>
+                <a:highlight>
+                  <a:srgbClr val="FFFFFF"/>
+                </a:highlight>
+                <a:latin typeface="PT Sans" panose="020B0503020203020204" pitchFamily="34" charset="0"/>
+              </a:rPr>
+              <a:t>TM  lets you alter parts of an algorithm by extending those parts in subclasses.,</a:t>
+            </a:r>
+          </a:p>
+          <a:p>
+            <a:pPr marL="0" marR="0" lvl="0" indent="0" algn="l" defTabSz="914400" rtl="0" eaLnBrk="0" fontAlgn="base" latinLnBrk="0" hangingPunct="0">
+              <a:lnSpc>
+                <a:spcPct val="100000"/>
+              </a:lnSpc>
+              <a:spcBef>
+                <a:spcPct val="30000"/>
+              </a:spcBef>
+              <a:spcAft>
+                <a:spcPct val="0"/>
+              </a:spcAft>
+              <a:buClrTx/>
+              <a:buSzTx/>
+              <a:buFontTx/>
+              <a:buNone/>
+              <a:tabLst/>
+              <a:defRPr/>
+            </a:pPr>
+            <a:r>
+              <a:rPr lang="en-US" b="0" i="0" dirty="0">
+                <a:solidFill>
+                  <a:srgbClr val="444444"/>
+                </a:solidFill>
+                <a:effectLst/>
+                <a:highlight>
+                  <a:srgbClr val="FFFFFF"/>
+                </a:highlight>
+                <a:latin typeface="PT Sans" panose="020B0503020203020204" pitchFamily="34" charset="0"/>
+              </a:rPr>
+              <a:t>Strategy alter parts of the object’s behavior by supplying it with different strategies that correspond to that behavior</a:t>
             </a:r>
           </a:p>
           <a:p>
@@ -3205,407 +3324,6 @@
             <a:fld id="{398F261E-68E1-442B-8BD3-47F1FF8ACD3C}" type="slidenum">
               <a:rPr lang="en-US" altLang="en-US" smtClean="0"/>
               <a:pPr/>
-              <a:t>59</a:t>
-            </a:fld>
-            <a:endParaRPr lang="en-US" altLang="en-US"/>
-          </a:p>
-        </p:txBody>
-      </p:sp>
-    </p:spTree>
-    <p:extLst>
-      <p:ext uri="{BB962C8B-B14F-4D97-AF65-F5344CB8AC3E}">
-        <p14:creationId xmlns:p14="http://schemas.microsoft.com/office/powerpoint/2010/main" val="2730809021"/>
-      </p:ext>
-    </p:extLst>
-  </p:cSld>
-  <p:clrMapOvr>
-    <a:masterClrMapping/>
-  </p:clrMapOvr>
-</p:notes>
-</file>
-
-<file path=ppt/notesSlides/notesSlide24.xml><?xml version="1.0" encoding="utf-8"?>
-<p:notes xmlns:a="http://schemas.openxmlformats.org/drawingml/2006/main" xmlns:r="http://schemas.openxmlformats.org/officeDocument/2006/relationships" xmlns:p="http://schemas.openxmlformats.org/presentationml/2006/main">
-  <p:cSld>
-    <p:spTree>
-      <p:nvGrpSpPr>
-        <p:cNvPr id="1" name=""/>
-        <p:cNvGrpSpPr/>
-        <p:nvPr/>
-      </p:nvGrpSpPr>
-      <p:grpSpPr>
-        <a:xfrm>
-          <a:off x="0" y="0"/>
-          <a:ext cx="0" cy="0"/>
-          <a:chOff x="0" y="0"/>
-          <a:chExt cx="0" cy="0"/>
-        </a:xfrm>
-      </p:grpSpPr>
-      <p:sp>
-        <p:nvSpPr>
-          <p:cNvPr id="2" name="Slide Image Placeholder 1"/>
-          <p:cNvSpPr>
-            <a:spLocks noGrp="1" noRot="1" noChangeAspect="1"/>
-          </p:cNvSpPr>
-          <p:nvPr>
-            <p:ph type="sldImg"/>
-          </p:nvPr>
-        </p:nvSpPr>
-        <p:spPr/>
-      </p:sp>
-      <p:sp>
-        <p:nvSpPr>
-          <p:cNvPr id="3" name="Notes Placeholder 2"/>
-          <p:cNvSpPr>
-            <a:spLocks noGrp="1"/>
-          </p:cNvSpPr>
-          <p:nvPr>
-            <p:ph type="body" idx="1"/>
-          </p:nvPr>
-        </p:nvSpPr>
-        <p:spPr/>
-        <p:txBody>
-          <a:bodyPr/>
-          <a:lstStyle/>
-          <a:p>
-            <a:r>
-              <a:rPr lang="en-US" dirty="0"/>
-              <a:t>);</a:t>
-            </a:r>
-          </a:p>
-          <a:p>
-            <a:endParaRPr lang="en-US" dirty="0"/>
-          </a:p>
-        </p:txBody>
-      </p:sp>
-      <p:sp>
-        <p:nvSpPr>
-          <p:cNvPr id="4" name="Slide Number Placeholder 3"/>
-          <p:cNvSpPr>
-            <a:spLocks noGrp="1"/>
-          </p:cNvSpPr>
-          <p:nvPr>
-            <p:ph type="sldNum" sz="quarter" idx="5"/>
-          </p:nvPr>
-        </p:nvSpPr>
-        <p:spPr/>
-        <p:txBody>
-          <a:bodyPr/>
-          <a:lstStyle/>
-          <a:p>
-            <a:fld id="{398F261E-68E1-442B-8BD3-47F1FF8ACD3C}" type="slidenum">
-              <a:rPr lang="en-US" altLang="en-US" smtClean="0"/>
-              <a:pPr/>
-              <a:t>60</a:t>
-            </a:fld>
-            <a:endParaRPr lang="en-US" altLang="en-US"/>
-          </a:p>
-        </p:txBody>
-      </p:sp>
-    </p:spTree>
-    <p:extLst>
-      <p:ext uri="{BB962C8B-B14F-4D97-AF65-F5344CB8AC3E}">
-        <p14:creationId xmlns:p14="http://schemas.microsoft.com/office/powerpoint/2010/main" val="1721374691"/>
-      </p:ext>
-    </p:extLst>
-  </p:cSld>
-  <p:clrMapOvr>
-    <a:masterClrMapping/>
-  </p:clrMapOvr>
-</p:notes>
-</file>
-
-<file path=ppt/notesSlides/notesSlide25.xml><?xml version="1.0" encoding="utf-8"?>
-<p:notes xmlns:a="http://schemas.openxmlformats.org/drawingml/2006/main" xmlns:r="http://schemas.openxmlformats.org/officeDocument/2006/relationships" xmlns:p="http://schemas.openxmlformats.org/presentationml/2006/main">
-  <p:cSld>
-    <p:spTree>
-      <p:nvGrpSpPr>
-        <p:cNvPr id="1" name=""/>
-        <p:cNvGrpSpPr/>
-        <p:nvPr/>
-      </p:nvGrpSpPr>
-      <p:grpSpPr>
-        <a:xfrm>
-          <a:off x="0" y="0"/>
-          <a:ext cx="0" cy="0"/>
-          <a:chOff x="0" y="0"/>
-          <a:chExt cx="0" cy="0"/>
-        </a:xfrm>
-      </p:grpSpPr>
-      <p:sp>
-        <p:nvSpPr>
-          <p:cNvPr id="2" name="Slide Image Placeholder 1"/>
-          <p:cNvSpPr>
-            <a:spLocks noGrp="1" noRot="1" noChangeAspect="1"/>
-          </p:cNvSpPr>
-          <p:nvPr>
-            <p:ph type="sldImg"/>
-          </p:nvPr>
-        </p:nvSpPr>
-        <p:spPr/>
-      </p:sp>
-      <p:sp>
-        <p:nvSpPr>
-          <p:cNvPr id="3" name="Notes Placeholder 2"/>
-          <p:cNvSpPr>
-            <a:spLocks noGrp="1"/>
-          </p:cNvSpPr>
-          <p:nvPr>
-            <p:ph type="body" idx="1"/>
-          </p:nvPr>
-        </p:nvSpPr>
-        <p:spPr/>
-        <p:txBody>
-          <a:bodyPr/>
-          <a:lstStyle/>
-          <a:p>
-            <a:r>
-              <a:rPr lang="en-US" dirty="0"/>
-              <a:t>flyweight</a:t>
-            </a:r>
-          </a:p>
-        </p:txBody>
-      </p:sp>
-      <p:sp>
-        <p:nvSpPr>
-          <p:cNvPr id="4" name="Slide Number Placeholder 3"/>
-          <p:cNvSpPr>
-            <a:spLocks noGrp="1"/>
-          </p:cNvSpPr>
-          <p:nvPr>
-            <p:ph type="sldNum" sz="quarter" idx="5"/>
-          </p:nvPr>
-        </p:nvSpPr>
-        <p:spPr/>
-        <p:txBody>
-          <a:bodyPr/>
-          <a:lstStyle/>
-          <a:p>
-            <a:fld id="{398F261E-68E1-442B-8BD3-47F1FF8ACD3C}" type="slidenum">
-              <a:rPr lang="en-US" altLang="en-US" smtClean="0"/>
-              <a:pPr/>
-              <a:t>65</a:t>
-            </a:fld>
-            <a:endParaRPr lang="en-US" altLang="en-US"/>
-          </a:p>
-        </p:txBody>
-      </p:sp>
-    </p:spTree>
-    <p:extLst>
-      <p:ext uri="{BB962C8B-B14F-4D97-AF65-F5344CB8AC3E}">
-        <p14:creationId xmlns:p14="http://schemas.microsoft.com/office/powerpoint/2010/main" val="842673343"/>
-      </p:ext>
-    </p:extLst>
-  </p:cSld>
-  <p:clrMapOvr>
-    <a:masterClrMapping/>
-  </p:clrMapOvr>
-</p:notes>
-</file>
-
-<file path=ppt/notesSlides/notesSlide26.xml><?xml version="1.0" encoding="utf-8"?>
-<p:notes xmlns:a="http://schemas.openxmlformats.org/drawingml/2006/main" xmlns:r="http://schemas.openxmlformats.org/officeDocument/2006/relationships" xmlns:p="http://schemas.openxmlformats.org/presentationml/2006/main">
-  <p:cSld>
-    <p:spTree>
-      <p:nvGrpSpPr>
-        <p:cNvPr id="1" name=""/>
-        <p:cNvGrpSpPr/>
-        <p:nvPr/>
-      </p:nvGrpSpPr>
-      <p:grpSpPr>
-        <a:xfrm>
-          <a:off x="0" y="0"/>
-          <a:ext cx="0" cy="0"/>
-          <a:chOff x="0" y="0"/>
-          <a:chExt cx="0" cy="0"/>
-        </a:xfrm>
-      </p:grpSpPr>
-      <p:sp>
-        <p:nvSpPr>
-          <p:cNvPr id="2" name="Slide Image Placeholder 1"/>
-          <p:cNvSpPr>
-            <a:spLocks noGrp="1" noRot="1" noChangeAspect="1"/>
-          </p:cNvSpPr>
-          <p:nvPr>
-            <p:ph type="sldImg"/>
-          </p:nvPr>
-        </p:nvSpPr>
-        <p:spPr/>
-      </p:sp>
-      <p:sp>
-        <p:nvSpPr>
-          <p:cNvPr id="3" name="Notes Placeholder 2"/>
-          <p:cNvSpPr>
-            <a:spLocks noGrp="1"/>
-          </p:cNvSpPr>
-          <p:nvPr>
-            <p:ph type="body" idx="1"/>
-          </p:nvPr>
-        </p:nvSpPr>
-        <p:spPr/>
-        <p:txBody>
-          <a:bodyPr/>
-          <a:lstStyle/>
-          <a:p>
-            <a:pPr marL="0" marR="0" lvl="0" indent="0" algn="l" defTabSz="914400" rtl="0" eaLnBrk="0" fontAlgn="base" latinLnBrk="0" hangingPunct="0">
-              <a:lnSpc>
-                <a:spcPct val="100000"/>
-              </a:lnSpc>
-              <a:spcBef>
-                <a:spcPct val="30000"/>
-              </a:spcBef>
-              <a:spcAft>
-                <a:spcPct val="0"/>
-              </a:spcAft>
-              <a:buClrTx/>
-              <a:buSzTx/>
-              <a:buFontTx/>
-              <a:buNone/>
-              <a:tabLst/>
-              <a:defRPr/>
-            </a:pPr>
-            <a:r>
-              <a:rPr lang="en-US" b="1" i="0" u="none" strike="noStrike" dirty="0">
-                <a:solidFill>
-                  <a:srgbClr val="444444"/>
-                </a:solidFill>
-                <a:effectLst/>
-                <a:highlight>
-                  <a:srgbClr val="FFFFFF"/>
-                </a:highlight>
-                <a:latin typeface="PT Sans" panose="020B0503020203020204" pitchFamily="34" charset="0"/>
-                <a:hlinkClick r:id="rId3"/>
-              </a:rPr>
-              <a:t>Decorator</a:t>
-            </a:r>
-            <a:r>
-              <a:rPr lang="en-US" b="0" i="0" dirty="0">
-                <a:solidFill>
-                  <a:srgbClr val="444444"/>
-                </a:solidFill>
-                <a:effectLst/>
-                <a:highlight>
-                  <a:srgbClr val="FFFFFF"/>
-                </a:highlight>
-                <a:latin typeface="PT Sans" panose="020B0503020203020204" pitchFamily="34" charset="0"/>
-              </a:rPr>
-              <a:t> lets you change the skin of an object, while </a:t>
-            </a:r>
-            <a:r>
-              <a:rPr lang="en-US" b="1" i="0" u="none" strike="noStrike" dirty="0">
-                <a:solidFill>
-                  <a:srgbClr val="444444"/>
-                </a:solidFill>
-                <a:effectLst/>
-                <a:highlight>
-                  <a:srgbClr val="FFFFFF"/>
-                </a:highlight>
-                <a:latin typeface="PT Sans" panose="020B0503020203020204" pitchFamily="34" charset="0"/>
-                <a:hlinkClick r:id="rId4"/>
-              </a:rPr>
-              <a:t>Strategy</a:t>
-            </a:r>
-            <a:r>
-              <a:rPr lang="en-US" b="0" i="0" dirty="0">
-                <a:solidFill>
-                  <a:srgbClr val="444444"/>
-                </a:solidFill>
-                <a:effectLst/>
-                <a:highlight>
-                  <a:srgbClr val="FFFFFF"/>
-                </a:highlight>
-                <a:latin typeface="PT Sans" panose="020B0503020203020204" pitchFamily="34" charset="0"/>
-              </a:rPr>
-              <a:t> lets you change the guts.</a:t>
-            </a:r>
-          </a:p>
-          <a:p>
-            <a:pPr marL="0" marR="0" lvl="0" indent="0" algn="l" defTabSz="914400" rtl="0" eaLnBrk="0" fontAlgn="base" latinLnBrk="0" hangingPunct="0">
-              <a:lnSpc>
-                <a:spcPct val="100000"/>
-              </a:lnSpc>
-              <a:spcBef>
-                <a:spcPct val="30000"/>
-              </a:spcBef>
-              <a:spcAft>
-                <a:spcPct val="0"/>
-              </a:spcAft>
-              <a:buClrTx/>
-              <a:buSzTx/>
-              <a:buFontTx/>
-              <a:buNone/>
-              <a:tabLst/>
-              <a:defRPr/>
-            </a:pPr>
-            <a:r>
-              <a:rPr lang="en-US" b="0" i="0" dirty="0">
-                <a:solidFill>
-                  <a:srgbClr val="444444"/>
-                </a:solidFill>
-                <a:effectLst/>
-                <a:highlight>
-                  <a:srgbClr val="FFFFFF"/>
-                </a:highlight>
-                <a:latin typeface="PT Sans" panose="020B0503020203020204" pitchFamily="34" charset="0"/>
-              </a:rPr>
-              <a:t>TM  lets you alter parts of an algorithm by extending those parts in subclasses.,</a:t>
-            </a:r>
-          </a:p>
-          <a:p>
-            <a:pPr marL="0" marR="0" lvl="0" indent="0" algn="l" defTabSz="914400" rtl="0" eaLnBrk="0" fontAlgn="base" latinLnBrk="0" hangingPunct="0">
-              <a:lnSpc>
-                <a:spcPct val="100000"/>
-              </a:lnSpc>
-              <a:spcBef>
-                <a:spcPct val="30000"/>
-              </a:spcBef>
-              <a:spcAft>
-                <a:spcPct val="0"/>
-              </a:spcAft>
-              <a:buClrTx/>
-              <a:buSzTx/>
-              <a:buFontTx/>
-              <a:buNone/>
-              <a:tabLst/>
-              <a:defRPr/>
-            </a:pPr>
-            <a:r>
-              <a:rPr lang="en-US" b="0" i="0" dirty="0">
-                <a:solidFill>
-                  <a:srgbClr val="444444"/>
-                </a:solidFill>
-                <a:effectLst/>
-                <a:highlight>
-                  <a:srgbClr val="FFFFFF"/>
-                </a:highlight>
-                <a:latin typeface="PT Sans" panose="020B0503020203020204" pitchFamily="34" charset="0"/>
-              </a:rPr>
-              <a:t>Strategy alter parts of the object’s behavior by supplying it with different strategies that correspond to that behavior</a:t>
-            </a:r>
-          </a:p>
-          <a:p>
-            <a:endParaRPr lang="en-US" dirty="0"/>
-          </a:p>
-        </p:txBody>
-      </p:sp>
-      <p:sp>
-        <p:nvSpPr>
-          <p:cNvPr id="4" name="Slide Number Placeholder 3"/>
-          <p:cNvSpPr>
-            <a:spLocks noGrp="1"/>
-          </p:cNvSpPr>
-          <p:nvPr>
-            <p:ph type="sldNum" sz="quarter" idx="5"/>
-          </p:nvPr>
-        </p:nvSpPr>
-        <p:spPr/>
-        <p:txBody>
-          <a:bodyPr/>
-          <a:lstStyle/>
-          <a:p>
-            <a:fld id="{398F261E-68E1-442B-8BD3-47F1FF8ACD3C}" type="slidenum">
-              <a:rPr lang="en-US" altLang="en-US" smtClean="0"/>
-              <a:pPr/>
               <a:t>66</a:t>
             </a:fld>
             <a:endParaRPr lang="en-US" altLang="en-US"/>
@@ -3625,7 +3343,7 @@
 </p:notes>
 </file>
 
-<file path=ppt/notesSlides/notesSlide27.xml><?xml version="1.0" encoding="utf-8"?>
+<file path=ppt/notesSlides/notesSlide24.xml><?xml version="1.0" encoding="utf-8"?>
 <p:notes xmlns:a="http://schemas.openxmlformats.org/drawingml/2006/main" xmlns:r="http://schemas.openxmlformats.org/officeDocument/2006/relationships" xmlns:p="http://schemas.openxmlformats.org/presentationml/2006/main">
   <p:cSld>
     <p:spTree>
@@ -38184,7 +37902,7 @@
           <p:nvPr/>
         </p:nvPicPr>
         <p:blipFill>
-          <a:blip r:embed="rId3">
+          <a:blip r:embed="rId2">
             <a:extLst>
               <a:ext uri="{28A0092B-C50C-407E-A947-70E740481C1C}">
                 <a14:useLocalDpi xmlns:a14="http://schemas.microsoft.com/office/drawing/2010/main" val="0"/>
@@ -38470,7 +38188,7 @@
           <p:nvPr/>
         </p:nvPicPr>
         <p:blipFill>
-          <a:blip r:embed="rId3">
+          <a:blip r:embed="rId2">
             <a:extLst>
               <a:ext uri="{28A0092B-C50C-407E-A947-70E740481C1C}">
                 <a14:useLocalDpi xmlns:a14="http://schemas.microsoft.com/office/drawing/2010/main" val="0"/>
